--- a/weekly.pptx
+++ b/weekly.pptx
@@ -5,7 +5,7 @@
     <p:sldMasterId id="2147483660" r:id="rId1"/>
   </p:sldMasterIdLst>
   <p:notesMasterIdLst>
-    <p:notesMasterId r:id="rId10"/>
+    <p:notesMasterId r:id="rId11"/>
   </p:notesMasterIdLst>
   <p:sldIdLst>
     <p:sldId id="260" r:id="rId2"/>
@@ -16,6 +16,7 @@
     <p:sldId id="265" r:id="rId7"/>
     <p:sldId id="266" r:id="rId8"/>
     <p:sldId id="267" r:id="rId9"/>
+    <p:sldId id="268" r:id="rId10"/>
   </p:sldIdLst>
   <p:sldSz cx="12192000" cy="6858000"/>
   <p:notesSz cx="6858000" cy="9144000"/>
@@ -204,7 +205,7 @@
           <a:p>
             <a:fld id="{F0CF8A18-8E51-4A40-8668-73778AF46B52}" type="datetimeFigureOut">
               <a:rPr lang="en-GB" smtClean="0"/>
-              <a:t>10/02/2024</a:t>
+              <a:t>08/03/2024</a:t>
             </a:fld>
             <a:endParaRPr lang="en-GB"/>
           </a:p>
@@ -965,7 +966,7 @@
           <a:p>
             <a:fld id="{4AAD347D-5ACD-4C99-B74B-A9C85AD731AF}" type="datetimeFigureOut">
               <a:rPr lang="en-US" dirty="0"/>
-              <a:t>2/10/2024</a:t>
+              <a:t>3/8/2024</a:t>
             </a:fld>
             <a:endParaRPr lang="en-US"/>
           </a:p>
@@ -1235,7 +1236,7 @@
           <a:p>
             <a:fld id="{4509A250-FF31-4206-8172-F9D3106AACB1}" type="datetimeFigureOut">
               <a:rPr lang="en-US" dirty="0"/>
-              <a:t>2/10/2024</a:t>
+              <a:t>3/8/2024</a:t>
             </a:fld>
             <a:endParaRPr lang="en-US"/>
           </a:p>
@@ -1428,7 +1429,7 @@
           <a:p>
             <a:fld id="{4509A250-FF31-4206-8172-F9D3106AACB1}" type="datetimeFigureOut">
               <a:rPr lang="en-US" dirty="0"/>
-              <a:t>2/10/2024</a:t>
+              <a:t>3/8/2024</a:t>
             </a:fld>
             <a:endParaRPr lang="en-US"/>
           </a:p>
@@ -1700,7 +1701,7 @@
           <a:p>
             <a:fld id="{4509A250-FF31-4206-8172-F9D3106AACB1}" type="datetimeFigureOut">
               <a:rPr lang="en-US" dirty="0"/>
-              <a:t>2/10/2024</a:t>
+              <a:t>3/8/2024</a:t>
             </a:fld>
             <a:endParaRPr lang="en-US"/>
           </a:p>
@@ -2040,7 +2041,7 @@
           <a:p>
             <a:fld id="{4509A250-FF31-4206-8172-F9D3106AACB1}" type="datetimeFigureOut">
               <a:rPr lang="en-US" dirty="0"/>
-              <a:t>2/10/2024</a:t>
+              <a:t>3/8/2024</a:t>
             </a:fld>
             <a:endParaRPr lang="en-US"/>
           </a:p>
@@ -2662,7 +2663,7 @@
           <a:p>
             <a:fld id="{4509A250-FF31-4206-8172-F9D3106AACB1}" type="datetimeFigureOut">
               <a:rPr lang="en-US" dirty="0"/>
-              <a:t>2/10/2024</a:t>
+              <a:t>3/8/2024</a:t>
             </a:fld>
             <a:endParaRPr lang="en-US"/>
           </a:p>
@@ -3509,7 +3510,7 @@
           <a:p>
             <a:fld id="{4509A250-FF31-4206-8172-F9D3106AACB1}" type="datetimeFigureOut">
               <a:rPr lang="en-US" dirty="0"/>
-              <a:t>2/10/2024</a:t>
+              <a:t>3/8/2024</a:t>
             </a:fld>
             <a:endParaRPr lang="en-US"/>
           </a:p>
@@ -3677,7 +3678,7 @@
           <a:p>
             <a:fld id="{4509A250-FF31-4206-8172-F9D3106AACB1}" type="datetimeFigureOut">
               <a:rPr lang="en-US" dirty="0"/>
-              <a:t>2/10/2024</a:t>
+              <a:t>3/8/2024</a:t>
             </a:fld>
             <a:endParaRPr lang="en-US"/>
           </a:p>
@@ -3855,7 +3856,7 @@
           <a:p>
             <a:fld id="{4509A250-FF31-4206-8172-F9D3106AACB1}" type="datetimeFigureOut">
               <a:rPr lang="en-US" dirty="0"/>
-              <a:t>2/10/2024</a:t>
+              <a:t>3/8/2024</a:t>
             </a:fld>
             <a:endParaRPr lang="en-US"/>
           </a:p>
@@ -4023,7 +4024,7 @@
           <a:p>
             <a:fld id="{4509A250-FF31-4206-8172-F9D3106AACB1}" type="datetimeFigureOut">
               <a:rPr lang="en-US" dirty="0"/>
-              <a:t>2/10/2024</a:t>
+              <a:t>3/8/2024</a:t>
             </a:fld>
             <a:endParaRPr lang="en-US"/>
           </a:p>
@@ -4269,7 +4270,7 @@
           <a:p>
             <a:fld id="{9796027F-7875-4030-9381-8BD8C4F21935}" type="datetimeFigureOut">
               <a:rPr lang="en-US" dirty="0"/>
-              <a:t>2/10/2024</a:t>
+              <a:t>3/8/2024</a:t>
             </a:fld>
             <a:endParaRPr lang="en-US"/>
           </a:p>
@@ -4558,7 +4559,7 @@
           <a:p>
             <a:fld id="{9796027F-7875-4030-9381-8BD8C4F21935}" type="datetimeFigureOut">
               <a:rPr lang="en-US" dirty="0"/>
-              <a:t>2/10/2024</a:t>
+              <a:t>3/8/2024</a:t>
             </a:fld>
             <a:endParaRPr lang="en-US"/>
           </a:p>
@@ -4999,7 +5000,7 @@
           <a:p>
             <a:fld id="{9796027F-7875-4030-9381-8BD8C4F21935}" type="datetimeFigureOut">
               <a:rPr lang="en-US" dirty="0"/>
-              <a:t>2/10/2024</a:t>
+              <a:t>3/8/2024</a:t>
             </a:fld>
             <a:endParaRPr lang="en-US"/>
           </a:p>
@@ -5116,7 +5117,7 @@
           <a:p>
             <a:fld id="{4509A250-FF31-4206-8172-F9D3106AACB1}" type="datetimeFigureOut">
               <a:rPr lang="en-US" dirty="0"/>
-              <a:t>2/10/2024</a:t>
+              <a:t>3/8/2024</a:t>
             </a:fld>
             <a:endParaRPr lang="en-US"/>
           </a:p>
@@ -5211,7 +5212,7 @@
           <a:p>
             <a:fld id="{4509A250-FF31-4206-8172-F9D3106AACB1}" type="datetimeFigureOut">
               <a:rPr lang="en-US" dirty="0"/>
-              <a:t>2/10/2024</a:t>
+              <a:t>3/8/2024</a:t>
             </a:fld>
             <a:endParaRPr lang="en-US"/>
           </a:p>
@@ -5488,7 +5489,7 @@
           <a:p>
             <a:fld id="{4509A250-FF31-4206-8172-F9D3106AACB1}" type="datetimeFigureOut">
               <a:rPr lang="en-US" dirty="0"/>
-              <a:t>2/10/2024</a:t>
+              <a:t>3/8/2024</a:t>
             </a:fld>
             <a:endParaRPr lang="en-US"/>
           </a:p>
@@ -5758,7 +5759,7 @@
           <a:p>
             <a:fld id="{4509A250-FF31-4206-8172-F9D3106AACB1}" type="datetimeFigureOut">
               <a:rPr lang="en-US" dirty="0"/>
-              <a:t>2/10/2024</a:t>
+              <a:t>3/8/2024</a:t>
             </a:fld>
             <a:endParaRPr lang="en-US"/>
           </a:p>
@@ -6185,7 +6186,7 @@
           <a:p>
             <a:fld id="{4AAD347D-5ACD-4C99-B74B-A9C85AD731AF}" type="datetimeFigureOut">
               <a:rPr lang="en-US" dirty="0"/>
-              <a:t>2/10/2024</a:t>
+              <a:t>3/8/2024</a:t>
             </a:fld>
             <a:endParaRPr lang="en-US"/>
           </a:p>
@@ -16922,6 +16923,119 @@
       <p:bldP spid="4" grpId="0"/>
     </p:bldLst>
   </p:timing>
+</p:sld>
+</file>
+
+<file path=ppt/slides/slide9.xml><?xml version="1.0" encoding="utf-8"?>
+<p:sld xmlns:a="http://schemas.openxmlformats.org/drawingml/2006/main" xmlns:r="http://schemas.openxmlformats.org/officeDocument/2006/relationships" xmlns:p="http://schemas.openxmlformats.org/presentationml/2006/main">
+  <p:cSld>
+    <p:spTree>
+      <p:nvGrpSpPr>
+        <p:cNvPr id="1" name=""/>
+        <p:cNvGrpSpPr/>
+        <p:nvPr/>
+      </p:nvGrpSpPr>
+      <p:grpSpPr>
+        <a:xfrm>
+          <a:off x="0" y="0"/>
+          <a:ext cx="0" cy="0"/>
+          <a:chOff x="0" y="0"/>
+          <a:chExt cx="0" cy="0"/>
+        </a:xfrm>
+      </p:grpSpPr>
+      <p:sp>
+        <p:nvSpPr>
+          <p:cNvPr id="2" name="TextBox 1">
+            <a:extLst>
+              <a:ext uri="{FF2B5EF4-FFF2-40B4-BE49-F238E27FC236}">
+                <a16:creationId xmlns:a16="http://schemas.microsoft.com/office/drawing/2014/main" id="{760DE382-FE5E-EADB-9868-1DB6CDB1D124}"/>
+              </a:ext>
+            </a:extLst>
+          </p:cNvPr>
+          <p:cNvSpPr txBox="1"/>
+          <p:nvPr/>
+        </p:nvSpPr>
+        <p:spPr>
+          <a:xfrm>
+            <a:off x="402336" y="237744"/>
+            <a:ext cx="9774936" cy="584775"/>
+          </a:xfrm>
+          <a:prstGeom prst="rect">
+            <a:avLst/>
+          </a:prstGeom>
+          <a:noFill/>
+        </p:spPr>
+        <p:txBody>
+          <a:bodyPr wrap="square" rtlCol="0">
+            <a:spAutoFit/>
+          </a:bodyPr>
+          <a:lstStyle/>
+          <a:p>
+            <a:r>
+              <a:rPr lang="en-GB" sz="3200" dirty="0"/>
+              <a:t>Dashboard Background</a:t>
+            </a:r>
+          </a:p>
+        </p:txBody>
+      </p:sp>
+      <p:sp>
+        <p:nvSpPr>
+          <p:cNvPr id="3" name="TextBox 2">
+            <a:extLst>
+              <a:ext uri="{FF2B5EF4-FFF2-40B4-BE49-F238E27FC236}">
+                <a16:creationId xmlns:a16="http://schemas.microsoft.com/office/drawing/2014/main" id="{B6D8E8CB-3E5D-CA5E-31E1-AF1FB8B76A03}"/>
+              </a:ext>
+            </a:extLst>
+          </p:cNvPr>
+          <p:cNvSpPr txBox="1"/>
+          <p:nvPr/>
+        </p:nvSpPr>
+        <p:spPr>
+          <a:xfrm>
+            <a:off x="667512" y="1490472"/>
+            <a:ext cx="9253728" cy="923330"/>
+          </a:xfrm>
+          <a:prstGeom prst="rect">
+            <a:avLst/>
+          </a:prstGeom>
+          <a:noFill/>
+        </p:spPr>
+        <p:txBody>
+          <a:bodyPr wrap="square" rtlCol="0">
+            <a:spAutoFit/>
+          </a:bodyPr>
+          <a:lstStyle/>
+          <a:p>
+            <a:r>
+              <a:rPr lang="en-GB" dirty="0">
+                <a:hlinkClick r:id="rId2"/>
+              </a:rPr>
+              <a:t>https://www.youtube.com/watch?v=5_bncoPYHMY</a:t>
+            </a:r>
+            <a:endParaRPr lang="en-GB" dirty="0"/>
+          </a:p>
+          <a:p>
+            <a:endParaRPr lang="en-GB" dirty="0"/>
+          </a:p>
+          <a:p>
+            <a:r>
+              <a:rPr lang="en-GB"/>
+              <a:t>https://discourse.nodered.org/t/background-image-dashboard/58130/2</a:t>
+            </a:r>
+            <a:endParaRPr lang="en-GB" dirty="0"/>
+          </a:p>
+        </p:txBody>
+      </p:sp>
+    </p:spTree>
+    <p:extLst>
+      <p:ext uri="{BB962C8B-B14F-4D97-AF65-F5344CB8AC3E}">
+        <p14:creationId xmlns:p14="http://schemas.microsoft.com/office/powerpoint/2010/main" val="2769842195"/>
+      </p:ext>
+    </p:extLst>
+  </p:cSld>
+  <p:clrMapOvr>
+    <a:masterClrMapping/>
+  </p:clrMapOvr>
 </p:sld>
 </file>
 
